--- a/doc/编译运行全过程.pptx
+++ b/doc/编译运行全过程.pptx
@@ -5,12 +5,13 @@
     <p:sldMasterId id="2147483648" r:id="rId1"/>
   </p:sldMasterIdLst>
   <p:notesMasterIdLst>
-    <p:notesMasterId r:id="rId5"/>
+    <p:notesMasterId r:id="rId6"/>
   </p:notesMasterIdLst>
   <p:sldIdLst>
     <p:sldId id="256" r:id="rId2"/>
     <p:sldId id="257" r:id="rId3"/>
     <p:sldId id="258" r:id="rId4"/>
+    <p:sldId id="259" r:id="rId5"/>
   </p:sldIdLst>
   <p:sldSz cx="12192000" cy="6858000"/>
   <p:notesSz cx="6858000" cy="9144000"/>
@@ -109,6 +110,11 @@
       </a:defRPr>
     </a:lvl9pPr>
   </p:defaultTextStyle>
+  <p:extLst>
+    <p:ext uri="{EFAFB233-063F-42B5-8137-9DF3F51BA10A}">
+      <p15:sldGuideLst xmlns:p15="http://schemas.microsoft.com/office/powerpoint/2012/main"/>
+    </p:ext>
+  </p:extLst>
 </p:presentation>
 </file>
 
@@ -194,7 +200,7 @@
           <a:p>
             <a:fld id="{667C8C6A-47A9-4A58-BA05-EC427FD5CCC5}" type="datetimeFigureOut">
               <a:rPr lang="zh-CN" altLang="en-US" smtClean="0"/>
-              <a:t>2020/4/15</a:t>
+              <a:t>2020/6/19</a:t>
             </a:fld>
             <a:endParaRPr lang="zh-CN" altLang="en-US"/>
           </a:p>
@@ -593,7 +599,7 @@
           <a:p>
             <a:fld id="{BE742941-4F93-41DA-8CC9-B6E163CEC4AD}" type="datetimeFigureOut">
               <a:rPr lang="zh-CN" altLang="en-US" smtClean="0"/>
-              <a:t>2020/4/15</a:t>
+              <a:t>2020/6/19</a:t>
             </a:fld>
             <a:endParaRPr lang="zh-CN" altLang="en-US"/>
           </a:p>
@@ -763,7 +769,7 @@
           <a:p>
             <a:fld id="{BE742941-4F93-41DA-8CC9-B6E163CEC4AD}" type="datetimeFigureOut">
               <a:rPr lang="zh-CN" altLang="en-US" smtClean="0"/>
-              <a:t>2020/4/15</a:t>
+              <a:t>2020/6/19</a:t>
             </a:fld>
             <a:endParaRPr lang="zh-CN" altLang="en-US"/>
           </a:p>
@@ -943,7 +949,7 @@
           <a:p>
             <a:fld id="{BE742941-4F93-41DA-8CC9-B6E163CEC4AD}" type="datetimeFigureOut">
               <a:rPr lang="zh-CN" altLang="en-US" smtClean="0"/>
-              <a:t>2020/4/15</a:t>
+              <a:t>2020/6/19</a:t>
             </a:fld>
             <a:endParaRPr lang="zh-CN" altLang="en-US"/>
           </a:p>
@@ -1113,7 +1119,7 @@
           <a:p>
             <a:fld id="{BE742941-4F93-41DA-8CC9-B6E163CEC4AD}" type="datetimeFigureOut">
               <a:rPr lang="zh-CN" altLang="en-US" smtClean="0"/>
-              <a:t>2020/4/15</a:t>
+              <a:t>2020/6/19</a:t>
             </a:fld>
             <a:endParaRPr lang="zh-CN" altLang="en-US"/>
           </a:p>
@@ -1359,7 +1365,7 @@
           <a:p>
             <a:fld id="{BE742941-4F93-41DA-8CC9-B6E163CEC4AD}" type="datetimeFigureOut">
               <a:rPr lang="zh-CN" altLang="en-US" smtClean="0"/>
-              <a:t>2020/4/15</a:t>
+              <a:t>2020/6/19</a:t>
             </a:fld>
             <a:endParaRPr lang="zh-CN" altLang="en-US"/>
           </a:p>
@@ -1591,7 +1597,7 @@
           <a:p>
             <a:fld id="{BE742941-4F93-41DA-8CC9-B6E163CEC4AD}" type="datetimeFigureOut">
               <a:rPr lang="zh-CN" altLang="en-US" smtClean="0"/>
-              <a:t>2020/4/15</a:t>
+              <a:t>2020/6/19</a:t>
             </a:fld>
             <a:endParaRPr lang="zh-CN" altLang="en-US"/>
           </a:p>
@@ -1958,7 +1964,7 @@
           <a:p>
             <a:fld id="{BE742941-4F93-41DA-8CC9-B6E163CEC4AD}" type="datetimeFigureOut">
               <a:rPr lang="zh-CN" altLang="en-US" smtClean="0"/>
-              <a:t>2020/4/15</a:t>
+              <a:t>2020/6/19</a:t>
             </a:fld>
             <a:endParaRPr lang="zh-CN" altLang="en-US"/>
           </a:p>
@@ -2076,7 +2082,7 @@
           <a:p>
             <a:fld id="{BE742941-4F93-41DA-8CC9-B6E163CEC4AD}" type="datetimeFigureOut">
               <a:rPr lang="zh-CN" altLang="en-US" smtClean="0"/>
-              <a:t>2020/4/15</a:t>
+              <a:t>2020/6/19</a:t>
             </a:fld>
             <a:endParaRPr lang="zh-CN" altLang="en-US"/>
           </a:p>
@@ -2171,7 +2177,7 @@
           <a:p>
             <a:fld id="{BE742941-4F93-41DA-8CC9-B6E163CEC4AD}" type="datetimeFigureOut">
               <a:rPr lang="zh-CN" altLang="en-US" smtClean="0"/>
-              <a:t>2020/4/15</a:t>
+              <a:t>2020/6/19</a:t>
             </a:fld>
             <a:endParaRPr lang="zh-CN" altLang="en-US"/>
           </a:p>
@@ -2448,7 +2454,7 @@
           <a:p>
             <a:fld id="{BE742941-4F93-41DA-8CC9-B6E163CEC4AD}" type="datetimeFigureOut">
               <a:rPr lang="zh-CN" altLang="en-US" smtClean="0"/>
-              <a:t>2020/4/15</a:t>
+              <a:t>2020/6/19</a:t>
             </a:fld>
             <a:endParaRPr lang="zh-CN" altLang="en-US"/>
           </a:p>
@@ -2701,7 +2707,7 @@
           <a:p>
             <a:fld id="{BE742941-4F93-41DA-8CC9-B6E163CEC4AD}" type="datetimeFigureOut">
               <a:rPr lang="zh-CN" altLang="en-US" smtClean="0"/>
-              <a:t>2020/4/15</a:t>
+              <a:t>2020/6/19</a:t>
             </a:fld>
             <a:endParaRPr lang="zh-CN" altLang="en-US"/>
           </a:p>
@@ -2914,7 +2920,7 @@
           <a:p>
             <a:fld id="{BE742941-4F93-41DA-8CC9-B6E163CEC4AD}" type="datetimeFigureOut">
               <a:rPr lang="zh-CN" altLang="en-US" smtClean="0"/>
-              <a:t>2020/4/15</a:t>
+              <a:t>2020/6/19</a:t>
             </a:fld>
             <a:endParaRPr lang="zh-CN" altLang="en-US"/>
           </a:p>
@@ -3508,119 +3514,37 @@
           </a:p>
         </p:txBody>
       </p:sp>
-      <p:sp>
-        <p:nvSpPr>
-          <p:cNvPr id="13" name="圆角矩形 12"/>
-          <p:cNvSpPr/>
-          <p:nvPr/>
-        </p:nvSpPr>
-        <p:spPr>
-          <a:xfrm>
-            <a:off x="3538471" y="4760353"/>
-            <a:ext cx="2073499" cy="1068946"/>
-          </a:xfrm>
-          <a:prstGeom prst="roundRect">
-            <a:avLst/>
-          </a:prstGeom>
-          <a:solidFill>
-            <a:schemeClr val="bg1">
-              <a:lumMod val="75000"/>
-            </a:schemeClr>
-          </a:solidFill>
-          <a:ln>
-            <a:solidFill>
-              <a:schemeClr val="bg2">
-                <a:lumMod val="75000"/>
-              </a:schemeClr>
-            </a:solidFill>
-          </a:ln>
-        </p:spPr>
-        <p:style>
-          <a:lnRef idx="2">
-            <a:schemeClr val="accent1">
-              <a:shade val="50000"/>
-            </a:schemeClr>
-          </a:lnRef>
-          <a:fillRef idx="1">
-            <a:schemeClr val="accent1"/>
-          </a:fillRef>
-          <a:effectRef idx="0">
-            <a:schemeClr val="accent1"/>
-          </a:effectRef>
-          <a:fontRef idx="minor">
-            <a:schemeClr val="lt1"/>
-          </a:fontRef>
-        </p:style>
-        <p:txBody>
-          <a:bodyPr rtlCol="0" anchor="ctr"/>
-          <a:lstStyle/>
-          <a:p>
-            <a:pPr lvl="0" algn="ctr" eaLnBrk="0" fontAlgn="base" hangingPunct="0">
-              <a:spcBef>
-                <a:spcPct val="0"/>
-              </a:spcBef>
-              <a:spcAft>
-                <a:spcPct val="0"/>
-              </a:spcAft>
-            </a:pPr>
-            <a:r>
-              <a:rPr lang="zh-CN" altLang="zh-CN" dirty="0" smtClean="0">
-                <a:solidFill>
-                  <a:schemeClr val="bg2">
-                    <a:lumMod val="25000"/>
-                  </a:schemeClr>
-                </a:solidFill>
-                <a:latin typeface="Consolas" panose="020B0609020204030204" pitchFamily="49" charset="0"/>
-              </a:rPr>
-              <a:t>JavaFileObject</a:t>
-            </a:r>
-            <a:endParaRPr kumimoji="0" lang="zh-CN" altLang="zh-CN" sz="4000" b="0" i="0" u="none" strike="noStrike" cap="none" normalizeH="0" baseline="0" dirty="0" smtClean="0">
-              <a:ln>
-                <a:noFill/>
-              </a:ln>
-              <a:solidFill>
-                <a:schemeClr val="bg2">
-                  <a:lumMod val="25000"/>
-                </a:schemeClr>
-              </a:solidFill>
-              <a:effectLst/>
-              <a:latin typeface="Arial" panose="020B0604020202020204" pitchFamily="34" charset="0"/>
-            </a:endParaRPr>
-          </a:p>
-        </p:txBody>
-      </p:sp>
       <p:grpSp>
         <p:nvGrpSpPr>
-          <p:cNvPr id="47" name="组合 46"/>
+          <p:cNvPr id="2" name="组合 1"/>
           <p:cNvGrpSpPr/>
           <p:nvPr/>
         </p:nvGrpSpPr>
         <p:grpSpPr>
           <a:xfrm>
-            <a:off x="2517178" y="6006383"/>
-            <a:ext cx="4765692" cy="851616"/>
-            <a:chOff x="2517178" y="6006383"/>
-            <a:chExt cx="4765692" cy="851616"/>
+            <a:off x="4352847" y="5090374"/>
+            <a:ext cx="4765692" cy="1595291"/>
+            <a:chOff x="2354713" y="4760353"/>
+            <a:chExt cx="4765692" cy="1494754"/>
           </a:xfrm>
         </p:grpSpPr>
         <p:sp>
           <p:nvSpPr>
-            <p:cNvPr id="14" name="椭圆 13"/>
+            <p:cNvPr id="13" name="圆角矩形 12"/>
             <p:cNvSpPr/>
             <p:nvPr/>
           </p:nvSpPr>
           <p:spPr>
             <a:xfrm>
-              <a:off x="2517178" y="6033751"/>
-              <a:ext cx="2231907" cy="824248"/>
+              <a:off x="3538471" y="4760353"/>
+              <a:ext cx="2073499" cy="1068946"/>
             </a:xfrm>
-            <a:prstGeom prst="ellipse">
+            <a:prstGeom prst="roundRect">
               <a:avLst/>
             </a:prstGeom>
             <a:solidFill>
-              <a:schemeClr val="accent6">
-                <a:lumMod val="40000"/>
-                <a:lumOff val="60000"/>
+              <a:schemeClr val="bg1">
+                <a:lumMod val="75000"/>
               </a:schemeClr>
             </a:solidFill>
             <a:ln>
@@ -3648,99 +3572,190 @@
             </a:fontRef>
           </p:style>
           <p:txBody>
-            <a:bodyPr lIns="0" tIns="0" rIns="0" bIns="0" rtlCol="0" anchor="ctr"/>
+            <a:bodyPr rtlCol="0" anchor="ctr"/>
             <a:lstStyle/>
             <a:p>
-              <a:pPr algn="ctr"/>
+              <a:pPr lvl="0" algn="ctr" eaLnBrk="0" fontAlgn="base" hangingPunct="0">
+                <a:spcBef>
+                  <a:spcPct val="0"/>
+                </a:spcBef>
+                <a:spcAft>
+                  <a:spcPct val="0"/>
+                </a:spcAft>
+              </a:pPr>
               <a:r>
-                <a:rPr lang="en-US" altLang="zh-CN" dirty="0" err="1" smtClean="0">
+                <a:rPr lang="zh-CN" altLang="zh-CN" dirty="0" smtClean="0">
                   <a:solidFill>
                     <a:schemeClr val="bg2">
                       <a:lumMod val="25000"/>
                     </a:schemeClr>
                   </a:solidFill>
+                  <a:latin typeface="Consolas" panose="020B0609020204030204" pitchFamily="49" charset="0"/>
                 </a:rPr>
-                <a:t>getCharContent</a:t>
+                <a:t>JavaFileObject</a:t>
               </a:r>
-              <a:endParaRPr lang="zh-CN" altLang="en-US" dirty="0">
+              <a:endParaRPr kumimoji="0" lang="zh-CN" altLang="zh-CN" sz="4000" b="0" i="0" u="none" strike="noStrike" cap="none" normalizeH="0" baseline="0" dirty="0" smtClean="0">
+                <a:ln>
+                  <a:noFill/>
+                </a:ln>
                 <a:solidFill>
                   <a:schemeClr val="bg2">
                     <a:lumMod val="25000"/>
                   </a:schemeClr>
                 </a:solidFill>
+                <a:effectLst/>
+                <a:latin typeface="Arial" panose="020B0604020202020204" pitchFamily="34" charset="0"/>
               </a:endParaRPr>
             </a:p>
           </p:txBody>
         </p:sp>
-        <p:sp>
-          <p:nvSpPr>
-            <p:cNvPr id="15" name="椭圆 14"/>
-            <p:cNvSpPr/>
+        <p:grpSp>
+          <p:nvGrpSpPr>
+            <p:cNvPr id="47" name="组合 46"/>
+            <p:cNvGrpSpPr/>
             <p:nvPr/>
-          </p:nvSpPr>
-          <p:spPr>
+          </p:nvGrpSpPr>
+          <p:grpSpPr>
             <a:xfrm>
-              <a:off x="4575220" y="6006383"/>
-              <a:ext cx="2707650" cy="824248"/>
+              <a:off x="2354713" y="5403491"/>
+              <a:ext cx="4765692" cy="851616"/>
+              <a:chOff x="2517178" y="6006383"/>
+              <a:chExt cx="4765692" cy="851616"/>
             </a:xfrm>
-            <a:prstGeom prst="ellipse">
-              <a:avLst/>
-            </a:prstGeom>
-            <a:solidFill>
-              <a:schemeClr val="accent6">
-                <a:lumMod val="40000"/>
-                <a:lumOff val="60000"/>
-              </a:schemeClr>
-            </a:solidFill>
-            <a:ln>
+          </p:grpSpPr>
+          <p:sp>
+            <p:nvSpPr>
+              <p:cNvPr id="14" name="椭圆 13"/>
+              <p:cNvSpPr/>
+              <p:nvPr/>
+            </p:nvSpPr>
+            <p:spPr>
+              <a:xfrm>
+                <a:off x="2517178" y="6033751"/>
+                <a:ext cx="2231907" cy="824248"/>
+              </a:xfrm>
+              <a:prstGeom prst="ellipse">
+                <a:avLst/>
+              </a:prstGeom>
               <a:solidFill>
-                <a:schemeClr val="bg2">
-                  <a:lumMod val="75000"/>
+                <a:srgbClr val="BFBFBF"/>
+              </a:solidFill>
+              <a:ln>
+                <a:solidFill>
+                  <a:schemeClr val="bg2">
+                    <a:lumMod val="75000"/>
+                  </a:schemeClr>
+                </a:solidFill>
+              </a:ln>
+            </p:spPr>
+            <p:style>
+              <a:lnRef idx="2">
+                <a:schemeClr val="accent1">
+                  <a:shade val="50000"/>
                 </a:schemeClr>
-              </a:solidFill>
-            </a:ln>
-          </p:spPr>
-          <p:style>
-            <a:lnRef idx="2">
-              <a:schemeClr val="accent1">
-                <a:shade val="50000"/>
-              </a:schemeClr>
-            </a:lnRef>
-            <a:fillRef idx="1">
-              <a:schemeClr val="accent1"/>
-            </a:fillRef>
-            <a:effectRef idx="0">
-              <a:schemeClr val="accent1"/>
-            </a:effectRef>
-            <a:fontRef idx="minor">
-              <a:schemeClr val="lt1"/>
-            </a:fontRef>
-          </p:style>
-          <p:txBody>
-            <a:bodyPr lIns="0" tIns="0" rIns="0" bIns="0" rtlCol="0" anchor="ctr"/>
-            <a:lstStyle/>
-            <a:p>
-              <a:pPr algn="ctr"/>
-              <a:r>
-                <a:rPr lang="en-US" altLang="zh-CN" dirty="0" err="1" smtClean="0">
+              </a:lnRef>
+              <a:fillRef idx="1">
+                <a:schemeClr val="accent1"/>
+              </a:fillRef>
+              <a:effectRef idx="0">
+                <a:schemeClr val="accent1"/>
+              </a:effectRef>
+              <a:fontRef idx="minor">
+                <a:schemeClr val="lt1"/>
+              </a:fontRef>
+            </p:style>
+            <p:txBody>
+              <a:bodyPr lIns="0" tIns="0" rIns="0" bIns="0" rtlCol="0" anchor="ctr"/>
+              <a:lstStyle/>
+              <a:p>
+                <a:pPr algn="ctr"/>
+                <a:r>
+                  <a:rPr lang="en-US" altLang="zh-CN" dirty="0" err="1" smtClean="0">
+                    <a:solidFill>
+                      <a:schemeClr val="bg2">
+                        <a:lumMod val="25000"/>
+                      </a:schemeClr>
+                    </a:solidFill>
+                  </a:rPr>
+                  <a:t>getCharContent</a:t>
+                </a:r>
+                <a:endParaRPr lang="zh-CN" altLang="en-US" dirty="0">
                   <a:solidFill>
                     <a:schemeClr val="bg2">
                       <a:lumMod val="25000"/>
                     </a:schemeClr>
                   </a:solidFill>
-                </a:rPr>
-                <a:t>openOutputStream</a:t>
-              </a:r>
-              <a:endParaRPr lang="zh-CN" altLang="en-US" dirty="0">
+                </a:endParaRPr>
+              </a:p>
+            </p:txBody>
+          </p:sp>
+          <p:sp>
+            <p:nvSpPr>
+              <p:cNvPr id="15" name="椭圆 14"/>
+              <p:cNvSpPr/>
+              <p:nvPr/>
+            </p:nvSpPr>
+            <p:spPr>
+              <a:xfrm>
+                <a:off x="4575220" y="6006383"/>
+                <a:ext cx="2707650" cy="824248"/>
+              </a:xfrm>
+              <a:prstGeom prst="ellipse">
+                <a:avLst/>
+              </a:prstGeom>
+              <a:solidFill>
+                <a:srgbClr val="BFBFBF"/>
+              </a:solidFill>
+              <a:ln>
                 <a:solidFill>
                   <a:schemeClr val="bg2">
-                    <a:lumMod val="25000"/>
+                    <a:lumMod val="75000"/>
                   </a:schemeClr>
                 </a:solidFill>
-              </a:endParaRPr>
-            </a:p>
-          </p:txBody>
-        </p:sp>
+              </a:ln>
+            </p:spPr>
+            <p:style>
+              <a:lnRef idx="2">
+                <a:schemeClr val="accent1">
+                  <a:shade val="50000"/>
+                </a:schemeClr>
+              </a:lnRef>
+              <a:fillRef idx="1">
+                <a:schemeClr val="accent1"/>
+              </a:fillRef>
+              <a:effectRef idx="0">
+                <a:schemeClr val="accent1"/>
+              </a:effectRef>
+              <a:fontRef idx="minor">
+                <a:schemeClr val="lt1"/>
+              </a:fontRef>
+            </p:style>
+            <p:txBody>
+              <a:bodyPr lIns="0" tIns="0" rIns="0" bIns="0" rtlCol="0" anchor="ctr"/>
+              <a:lstStyle/>
+              <a:p>
+                <a:pPr algn="ctr"/>
+                <a:r>
+                  <a:rPr lang="en-US" altLang="zh-CN" dirty="0" err="1" smtClean="0">
+                    <a:solidFill>
+                      <a:schemeClr val="bg2">
+                        <a:lumMod val="25000"/>
+                      </a:schemeClr>
+                    </a:solidFill>
+                  </a:rPr>
+                  <a:t>openOutputStream</a:t>
+                </a:r>
+                <a:endParaRPr lang="zh-CN" altLang="en-US" dirty="0">
+                  <a:solidFill>
+                    <a:schemeClr val="bg2">
+                      <a:lumMod val="25000"/>
+                    </a:schemeClr>
+                  </a:solidFill>
+                </a:endParaRPr>
+              </a:p>
+            </p:txBody>
+          </p:sp>
+        </p:grpSp>
       </p:grpSp>
       <p:sp>
         <p:nvSpPr>
@@ -3750,7 +3765,7 @@
         </p:nvSpPr>
         <p:spPr>
           <a:xfrm>
-            <a:off x="2025204" y="3486955"/>
+            <a:off x="543890" y="3625545"/>
             <a:ext cx="5100034" cy="1068946"/>
           </a:xfrm>
           <a:prstGeom prst="roundRect">
@@ -3904,7 +3919,7 @@
         <p:spPr>
           <a:xfrm>
             <a:off x="2485621" y="2418009"/>
-            <a:ext cx="2089600" cy="1068946"/>
+            <a:ext cx="608286" cy="1207536"/>
           </a:xfrm>
           <a:prstGeom prst="straightConnector1">
             <a:avLst/>
@@ -3946,7 +3961,7 @@
         <p:spPr>
           <a:xfrm flipH="1" flipV="1">
             <a:off x="4749086" y="1349063"/>
-            <a:ext cx="3816976" cy="1986565"/>
+            <a:ext cx="5219541" cy="2095351"/>
           </a:xfrm>
           <a:prstGeom prst="straightConnector1">
             <a:avLst/>
@@ -3984,7 +3999,7 @@
         </p:nvSpPr>
         <p:spPr>
           <a:xfrm>
-            <a:off x="7943046" y="3335628"/>
+            <a:off x="9345611" y="3444414"/>
             <a:ext cx="1246032" cy="724437"/>
           </a:xfrm>
           <a:prstGeom prst="roundRect">
@@ -4066,7 +4081,7 @@
         </p:nvSpPr>
         <p:spPr>
           <a:xfrm>
-            <a:off x="7943046" y="4166314"/>
+            <a:off x="9349356" y="4220366"/>
             <a:ext cx="1246032" cy="724437"/>
           </a:xfrm>
           <a:prstGeom prst="roundRect">
@@ -4148,7 +4163,7 @@
         </p:nvSpPr>
         <p:spPr>
           <a:xfrm>
-            <a:off x="7943046" y="4993780"/>
+            <a:off x="9349356" y="5047832"/>
             <a:ext cx="1246032" cy="724437"/>
           </a:xfrm>
           <a:prstGeom prst="roundRect">
@@ -4225,14 +4240,12 @@
       <p:cxnSp>
         <p:nvCxnSpPr>
           <p:cNvPr id="38" name="直接箭头连接符 37"/>
-          <p:cNvCxnSpPr>
-            <a:endCxn id="30" idx="1"/>
-          </p:cNvCxnSpPr>
+          <p:cNvCxnSpPr/>
           <p:nvPr/>
         </p:nvCxnSpPr>
         <p:spPr>
           <a:xfrm flipV="1">
-            <a:off x="7120405" y="3697847"/>
+            <a:off x="8526715" y="3751899"/>
             <a:ext cx="822641" cy="292465"/>
           </a:xfrm>
           <a:prstGeom prst="straightConnector1">
@@ -4267,15 +4280,14 @@
         <p:nvCxnSpPr>
           <p:cNvPr id="41" name="直接箭头连接符 40"/>
           <p:cNvCxnSpPr>
-            <a:stCxn id="16" idx="3"/>
             <a:endCxn id="32" idx="1"/>
           </p:cNvCxnSpPr>
           <p:nvPr/>
         </p:nvCxnSpPr>
         <p:spPr>
           <a:xfrm>
-            <a:off x="7125238" y="4021428"/>
-            <a:ext cx="817808" cy="507105"/>
+            <a:off x="8526715" y="4088806"/>
+            <a:ext cx="822641" cy="493779"/>
           </a:xfrm>
           <a:prstGeom prst="straightConnector1">
             <a:avLst/>
@@ -4315,8 +4327,88 @@
         </p:nvCxnSpPr>
         <p:spPr>
           <a:xfrm>
-            <a:off x="7120405" y="4001305"/>
+            <a:off x="8526715" y="4055357"/>
             <a:ext cx="822641" cy="1354694"/>
+          </a:xfrm>
+          <a:prstGeom prst="straightConnector1">
+            <a:avLst/>
+          </a:prstGeom>
+          <a:ln>
+            <a:solidFill>
+              <a:schemeClr val="tx1">
+                <a:lumMod val="75000"/>
+                <a:lumOff val="25000"/>
+              </a:schemeClr>
+            </a:solidFill>
+            <a:tailEnd type="triangle"/>
+          </a:ln>
+        </p:spPr>
+        <p:style>
+          <a:lnRef idx="1">
+            <a:schemeClr val="accent1"/>
+          </a:lnRef>
+          <a:fillRef idx="0">
+            <a:schemeClr val="accent1"/>
+          </a:fillRef>
+          <a:effectRef idx="0">
+            <a:schemeClr val="accent1"/>
+          </a:effectRef>
+          <a:fontRef idx="minor">
+            <a:schemeClr val="tx1"/>
+          </a:fontRef>
+        </p:style>
+      </p:cxnSp>
+      <p:cxnSp>
+        <p:nvCxnSpPr>
+          <p:cNvPr id="24" name="直接箭头连接符 23"/>
+          <p:cNvCxnSpPr/>
+          <p:nvPr/>
+        </p:nvCxnSpPr>
+        <p:spPr>
+          <a:xfrm>
+            <a:off x="5656781" y="4021428"/>
+            <a:ext cx="2869934" cy="33929"/>
+          </a:xfrm>
+          <a:prstGeom prst="straightConnector1">
+            <a:avLst/>
+          </a:prstGeom>
+          <a:ln>
+            <a:solidFill>
+              <a:schemeClr val="tx1">
+                <a:lumMod val="75000"/>
+                <a:lumOff val="25000"/>
+              </a:schemeClr>
+            </a:solidFill>
+            <a:tailEnd type="triangle"/>
+          </a:ln>
+        </p:spPr>
+        <p:style>
+          <a:lnRef idx="1">
+            <a:schemeClr val="accent1"/>
+          </a:lnRef>
+          <a:fillRef idx="0">
+            <a:schemeClr val="accent1"/>
+          </a:fillRef>
+          <a:effectRef idx="0">
+            <a:schemeClr val="accent1"/>
+          </a:effectRef>
+          <a:fontRef idx="minor">
+            <a:schemeClr val="tx1"/>
+          </a:fontRef>
+        </p:style>
+      </p:cxnSp>
+      <p:cxnSp>
+        <p:nvCxnSpPr>
+          <p:cNvPr id="26" name="直接箭头连接符 25"/>
+          <p:cNvCxnSpPr>
+            <a:stCxn id="13" idx="0"/>
+          </p:cNvCxnSpPr>
+          <p:nvPr/>
+        </p:nvCxnSpPr>
+        <p:spPr>
+          <a:xfrm flipH="1" flipV="1">
+            <a:off x="6560535" y="4038392"/>
+            <a:ext cx="12820" cy="1051982"/>
           </a:xfrm>
           <a:prstGeom prst="straightConnector1">
             <a:avLst/>
@@ -5926,6 +6018,1128 @@
     <p:extLst>
       <p:ext uri="{BB962C8B-B14F-4D97-AF65-F5344CB8AC3E}">
         <p14:creationId xmlns:p14="http://schemas.microsoft.com/office/powerpoint/2010/main" val="938273453"/>
+      </p:ext>
+    </p:extLst>
+  </p:cSld>
+  <p:clrMapOvr>
+    <a:masterClrMapping/>
+  </p:clrMapOvr>
+</p:sld>
+</file>
+
+<file path=ppt/slides/slide4.xml><?xml version="1.0" encoding="utf-8"?>
+<p:sld xmlns:a="http://schemas.openxmlformats.org/drawingml/2006/main" xmlns:r="http://schemas.openxmlformats.org/officeDocument/2006/relationships" xmlns:p="http://schemas.openxmlformats.org/presentationml/2006/main">
+  <p:cSld>
+    <p:spTree>
+      <p:nvGrpSpPr>
+        <p:cNvPr id="1" name=""/>
+        <p:cNvGrpSpPr/>
+        <p:nvPr/>
+      </p:nvGrpSpPr>
+      <p:grpSpPr>
+        <a:xfrm>
+          <a:off x="0" y="0"/>
+          <a:ext cx="0" cy="0"/>
+          <a:chOff x="0" y="0"/>
+          <a:chExt cx="0" cy="0"/>
+        </a:xfrm>
+      </p:grpSpPr>
+      <p:sp>
+        <p:nvSpPr>
+          <p:cNvPr id="5" name="矩形 4"/>
+          <p:cNvSpPr/>
+          <p:nvPr/>
+        </p:nvSpPr>
+        <p:spPr>
+          <a:xfrm>
+            <a:off x="1490133" y="1309511"/>
+            <a:ext cx="8545689" cy="361244"/>
+          </a:xfrm>
+          <a:prstGeom prst="rect">
+            <a:avLst/>
+          </a:prstGeom>
+        </p:spPr>
+        <p:style>
+          <a:lnRef idx="2">
+            <a:schemeClr val="dk1"/>
+          </a:lnRef>
+          <a:fillRef idx="1">
+            <a:schemeClr val="lt1"/>
+          </a:fillRef>
+          <a:effectRef idx="0">
+            <a:schemeClr val="dk1"/>
+          </a:effectRef>
+          <a:fontRef idx="minor">
+            <a:schemeClr val="dk1"/>
+          </a:fontRef>
+        </p:style>
+        <p:txBody>
+          <a:bodyPr rtlCol="0" anchor="ctr"/>
+          <a:lstStyle/>
+          <a:p>
+            <a:pPr algn="ctr"/>
+            <a:endParaRPr lang="zh-CN" altLang="en-US"/>
+          </a:p>
+        </p:txBody>
+      </p:sp>
+      <p:sp>
+        <p:nvSpPr>
+          <p:cNvPr id="6" name="矩形 5"/>
+          <p:cNvSpPr/>
+          <p:nvPr/>
+        </p:nvSpPr>
+        <p:spPr>
+          <a:xfrm>
+            <a:off x="1490133" y="1670755"/>
+            <a:ext cx="8545689" cy="361244"/>
+          </a:xfrm>
+          <a:prstGeom prst="rect">
+            <a:avLst/>
+          </a:prstGeom>
+        </p:spPr>
+        <p:style>
+          <a:lnRef idx="2">
+            <a:schemeClr val="dk1"/>
+          </a:lnRef>
+          <a:fillRef idx="1">
+            <a:schemeClr val="lt1"/>
+          </a:fillRef>
+          <a:effectRef idx="0">
+            <a:schemeClr val="dk1"/>
+          </a:effectRef>
+          <a:fontRef idx="minor">
+            <a:schemeClr val="dk1"/>
+          </a:fontRef>
+        </p:style>
+        <p:txBody>
+          <a:bodyPr rtlCol="0" anchor="ctr"/>
+          <a:lstStyle/>
+          <a:p>
+            <a:pPr algn="ctr"/>
+            <a:endParaRPr lang="zh-CN" altLang="en-US"/>
+          </a:p>
+        </p:txBody>
+      </p:sp>
+      <p:sp>
+        <p:nvSpPr>
+          <p:cNvPr id="13" name="文本框 12"/>
+          <p:cNvSpPr txBox="1"/>
+          <p:nvPr/>
+        </p:nvSpPr>
+        <p:spPr>
+          <a:xfrm>
+            <a:off x="4695825" y="932921"/>
+            <a:ext cx="933450" cy="371475"/>
+          </a:xfrm>
+          <a:prstGeom prst="rect">
+            <a:avLst/>
+          </a:prstGeom>
+          <a:noFill/>
+        </p:spPr>
+        <p:txBody>
+          <a:bodyPr wrap="square" rtlCol="0">
+            <a:spAutoFit/>
+          </a:bodyPr>
+          <a:lstStyle/>
+          <a:p>
+            <a:r>
+              <a:rPr lang="en-US" altLang="zh-CN" dirty="0" smtClean="0"/>
+              <a:t>8</a:t>
+            </a:r>
+            <a:endParaRPr lang="zh-CN" altLang="en-US" dirty="0"/>
+          </a:p>
+        </p:txBody>
+      </p:sp>
+      <p:sp>
+        <p:nvSpPr>
+          <p:cNvPr id="14" name="矩形 13"/>
+          <p:cNvSpPr/>
+          <p:nvPr/>
+        </p:nvSpPr>
+        <p:spPr>
+          <a:xfrm>
+            <a:off x="4829175" y="1309511"/>
+            <a:ext cx="800100" cy="361244"/>
+          </a:xfrm>
+          <a:prstGeom prst="rect">
+            <a:avLst/>
+          </a:prstGeom>
+          <a:noFill/>
+          <a:ln>
+            <a:solidFill>
+              <a:schemeClr val="bg2">
+                <a:lumMod val="75000"/>
+              </a:schemeClr>
+            </a:solidFill>
+          </a:ln>
+        </p:spPr>
+        <p:style>
+          <a:lnRef idx="2">
+            <a:schemeClr val="accent1">
+              <a:shade val="50000"/>
+            </a:schemeClr>
+          </a:lnRef>
+          <a:fillRef idx="1">
+            <a:schemeClr val="accent1"/>
+          </a:fillRef>
+          <a:effectRef idx="0">
+            <a:schemeClr val="accent1"/>
+          </a:effectRef>
+          <a:fontRef idx="minor">
+            <a:schemeClr val="lt1"/>
+          </a:fontRef>
+        </p:style>
+        <p:txBody>
+          <a:bodyPr rtlCol="0" anchor="ctr"/>
+          <a:lstStyle/>
+          <a:p>
+            <a:pPr algn="ctr"/>
+            <a:r>
+              <a:rPr lang="en-US" altLang="zh-CN" dirty="0" smtClean="0">
+                <a:solidFill>
+                  <a:schemeClr val="tx1"/>
+                </a:solidFill>
+              </a:rPr>
+              <a:t>CPC</a:t>
+            </a:r>
+            <a:endParaRPr lang="zh-CN" altLang="en-US" dirty="0">
+              <a:solidFill>
+                <a:schemeClr val="tx1"/>
+              </a:solidFill>
+            </a:endParaRPr>
+          </a:p>
+        </p:txBody>
+      </p:sp>
+      <p:sp>
+        <p:nvSpPr>
+          <p:cNvPr id="15" name="文本框 14"/>
+          <p:cNvSpPr txBox="1"/>
+          <p:nvPr/>
+        </p:nvSpPr>
+        <p:spPr>
+          <a:xfrm>
+            <a:off x="5438775" y="943152"/>
+            <a:ext cx="933450" cy="371475"/>
+          </a:xfrm>
+          <a:prstGeom prst="rect">
+            <a:avLst/>
+          </a:prstGeom>
+          <a:noFill/>
+        </p:spPr>
+        <p:txBody>
+          <a:bodyPr wrap="square" rtlCol="0">
+            <a:spAutoFit/>
+          </a:bodyPr>
+          <a:lstStyle/>
+          <a:p>
+            <a:r>
+              <a:rPr lang="en-US" altLang="zh-CN" dirty="0" smtClean="0"/>
+              <a:t>10</a:t>
+            </a:r>
+            <a:endParaRPr lang="zh-CN" altLang="en-US" dirty="0"/>
+          </a:p>
+        </p:txBody>
+      </p:sp>
+      <p:sp>
+        <p:nvSpPr>
+          <p:cNvPr id="16" name="文本框 15"/>
+          <p:cNvSpPr txBox="1"/>
+          <p:nvPr/>
+        </p:nvSpPr>
+        <p:spPr>
+          <a:xfrm>
+            <a:off x="5905500" y="932920"/>
+            <a:ext cx="933450" cy="371475"/>
+          </a:xfrm>
+          <a:prstGeom prst="rect">
+            <a:avLst/>
+          </a:prstGeom>
+          <a:noFill/>
+        </p:spPr>
+        <p:txBody>
+          <a:bodyPr wrap="square" rtlCol="0">
+            <a:spAutoFit/>
+          </a:bodyPr>
+          <a:lstStyle/>
+          <a:p>
+            <a:r>
+              <a:rPr lang="en-US" altLang="zh-CN" dirty="0" smtClean="0"/>
+              <a:t>11</a:t>
+            </a:r>
+            <a:endParaRPr lang="zh-CN" altLang="en-US" dirty="0"/>
+          </a:p>
+        </p:txBody>
+      </p:sp>
+      <p:sp>
+        <p:nvSpPr>
+          <p:cNvPr id="17" name="矩形 16"/>
+          <p:cNvSpPr/>
+          <p:nvPr/>
+        </p:nvSpPr>
+        <p:spPr>
+          <a:xfrm>
+            <a:off x="5629275" y="1304395"/>
+            <a:ext cx="609600" cy="349250"/>
+          </a:xfrm>
+          <a:prstGeom prst="rect">
+            <a:avLst/>
+          </a:prstGeom>
+          <a:noFill/>
+          <a:ln>
+            <a:solidFill>
+              <a:schemeClr val="bg2">
+                <a:lumMod val="75000"/>
+              </a:schemeClr>
+            </a:solidFill>
+          </a:ln>
+        </p:spPr>
+        <p:style>
+          <a:lnRef idx="2">
+            <a:schemeClr val="accent1">
+              <a:shade val="50000"/>
+            </a:schemeClr>
+          </a:lnRef>
+          <a:fillRef idx="1">
+            <a:schemeClr val="accent1"/>
+          </a:fillRef>
+          <a:effectRef idx="0">
+            <a:schemeClr val="accent1"/>
+          </a:effectRef>
+          <a:fontRef idx="minor">
+            <a:schemeClr val="lt1"/>
+          </a:fontRef>
+        </p:style>
+        <p:txBody>
+          <a:bodyPr rtlCol="0" anchor="ctr"/>
+          <a:lstStyle/>
+          <a:p>
+            <a:pPr algn="ctr"/>
+            <a:r>
+              <a:rPr lang="en-US" altLang="zh-CN" dirty="0" smtClean="0">
+                <a:solidFill>
+                  <a:schemeClr val="tx1"/>
+                </a:solidFill>
+              </a:rPr>
+              <a:t>Tag</a:t>
+            </a:r>
+            <a:endParaRPr lang="zh-CN" altLang="en-US" dirty="0">
+              <a:solidFill>
+                <a:schemeClr val="tx1"/>
+              </a:solidFill>
+            </a:endParaRPr>
+          </a:p>
+        </p:txBody>
+      </p:sp>
+      <p:sp>
+        <p:nvSpPr>
+          <p:cNvPr id="18" name="矩形 17"/>
+          <p:cNvSpPr/>
+          <p:nvPr/>
+        </p:nvSpPr>
+        <p:spPr>
+          <a:xfrm>
+            <a:off x="6229350" y="1314625"/>
+            <a:ext cx="1885950" cy="339019"/>
+          </a:xfrm>
+          <a:prstGeom prst="rect">
+            <a:avLst/>
+          </a:prstGeom>
+          <a:noFill/>
+          <a:ln>
+            <a:solidFill>
+              <a:schemeClr val="bg2">
+                <a:lumMod val="75000"/>
+              </a:schemeClr>
+            </a:solidFill>
+          </a:ln>
+        </p:spPr>
+        <p:style>
+          <a:lnRef idx="2">
+            <a:schemeClr val="accent1">
+              <a:shade val="50000"/>
+            </a:schemeClr>
+          </a:lnRef>
+          <a:fillRef idx="1">
+            <a:schemeClr val="accent1"/>
+          </a:fillRef>
+          <a:effectRef idx="0">
+            <a:schemeClr val="accent1"/>
+          </a:effectRef>
+          <a:fontRef idx="minor">
+            <a:schemeClr val="lt1"/>
+          </a:fontRef>
+        </p:style>
+        <p:txBody>
+          <a:bodyPr rtlCol="0" anchor="ctr"/>
+          <a:lstStyle/>
+          <a:p>
+            <a:pPr algn="ctr"/>
+            <a:r>
+              <a:rPr lang="en-US" altLang="zh-CN" dirty="0" smtClean="0">
+                <a:solidFill>
+                  <a:schemeClr val="tx1"/>
+                </a:solidFill>
+              </a:rPr>
+              <a:t>info</a:t>
+            </a:r>
+            <a:endParaRPr lang="zh-CN" altLang="en-US" dirty="0">
+              <a:solidFill>
+                <a:schemeClr val="tx1"/>
+              </a:solidFill>
+            </a:endParaRPr>
+          </a:p>
+        </p:txBody>
+      </p:sp>
+      <p:sp>
+        <p:nvSpPr>
+          <p:cNvPr id="19" name="矩形 18"/>
+          <p:cNvSpPr/>
+          <p:nvPr/>
+        </p:nvSpPr>
+        <p:spPr>
+          <a:xfrm>
+            <a:off x="8105775" y="1304394"/>
+            <a:ext cx="609600" cy="349250"/>
+          </a:xfrm>
+          <a:prstGeom prst="rect">
+            <a:avLst/>
+          </a:prstGeom>
+          <a:noFill/>
+          <a:ln>
+            <a:solidFill>
+              <a:schemeClr val="bg2">
+                <a:lumMod val="75000"/>
+              </a:schemeClr>
+            </a:solidFill>
+          </a:ln>
+        </p:spPr>
+        <p:style>
+          <a:lnRef idx="2">
+            <a:schemeClr val="accent1">
+              <a:shade val="50000"/>
+            </a:schemeClr>
+          </a:lnRef>
+          <a:fillRef idx="1">
+            <a:schemeClr val="accent1"/>
+          </a:fillRef>
+          <a:effectRef idx="0">
+            <a:schemeClr val="accent1"/>
+          </a:effectRef>
+          <a:fontRef idx="minor">
+            <a:schemeClr val="lt1"/>
+          </a:fontRef>
+        </p:style>
+        <p:txBody>
+          <a:bodyPr rtlCol="0" anchor="ctr"/>
+          <a:lstStyle/>
+          <a:p>
+            <a:pPr algn="ctr"/>
+            <a:r>
+              <a:rPr lang="en-US" altLang="zh-CN" dirty="0" smtClean="0">
+                <a:solidFill>
+                  <a:schemeClr val="tx1"/>
+                </a:solidFill>
+              </a:rPr>
+              <a:t>Tag</a:t>
+            </a:r>
+            <a:endParaRPr lang="zh-CN" altLang="en-US" dirty="0">
+              <a:solidFill>
+                <a:schemeClr val="tx1"/>
+              </a:solidFill>
+            </a:endParaRPr>
+          </a:p>
+        </p:txBody>
+      </p:sp>
+      <p:sp>
+        <p:nvSpPr>
+          <p:cNvPr id="20" name="矩形 19"/>
+          <p:cNvSpPr/>
+          <p:nvPr/>
+        </p:nvSpPr>
+        <p:spPr>
+          <a:xfrm>
+            <a:off x="1490133" y="4138436"/>
+            <a:ext cx="8545689" cy="361244"/>
+          </a:xfrm>
+          <a:prstGeom prst="rect">
+            <a:avLst/>
+          </a:prstGeom>
+        </p:spPr>
+        <p:style>
+          <a:lnRef idx="2">
+            <a:schemeClr val="dk1"/>
+          </a:lnRef>
+          <a:fillRef idx="1">
+            <a:schemeClr val="lt1"/>
+          </a:fillRef>
+          <a:effectRef idx="0">
+            <a:schemeClr val="dk1"/>
+          </a:effectRef>
+          <a:fontRef idx="minor">
+            <a:schemeClr val="dk1"/>
+          </a:fontRef>
+        </p:style>
+        <p:txBody>
+          <a:bodyPr rtlCol="0" anchor="ctr"/>
+          <a:lstStyle/>
+          <a:p>
+            <a:pPr algn="ctr"/>
+            <a:endParaRPr lang="zh-CN" altLang="en-US" dirty="0"/>
+          </a:p>
+        </p:txBody>
+      </p:sp>
+      <p:sp>
+        <p:nvSpPr>
+          <p:cNvPr id="21" name="矩形 20"/>
+          <p:cNvSpPr/>
+          <p:nvPr/>
+        </p:nvSpPr>
+        <p:spPr>
+          <a:xfrm>
+            <a:off x="1490133" y="4499680"/>
+            <a:ext cx="8545689" cy="361244"/>
+          </a:xfrm>
+          <a:prstGeom prst="rect">
+            <a:avLst/>
+          </a:prstGeom>
+        </p:spPr>
+        <p:style>
+          <a:lnRef idx="2">
+            <a:schemeClr val="dk1"/>
+          </a:lnRef>
+          <a:fillRef idx="1">
+            <a:schemeClr val="lt1"/>
+          </a:fillRef>
+          <a:effectRef idx="0">
+            <a:schemeClr val="dk1"/>
+          </a:effectRef>
+          <a:fontRef idx="minor">
+            <a:schemeClr val="dk1"/>
+          </a:fontRef>
+        </p:style>
+        <p:txBody>
+          <a:bodyPr rtlCol="0" anchor="ctr"/>
+          <a:lstStyle/>
+          <a:p>
+            <a:pPr algn="ctr"/>
+            <a:endParaRPr lang="zh-CN" altLang="en-US"/>
+          </a:p>
+        </p:txBody>
+      </p:sp>
+      <p:sp>
+        <p:nvSpPr>
+          <p:cNvPr id="22" name="文本框 21"/>
+          <p:cNvSpPr txBox="1"/>
+          <p:nvPr/>
+        </p:nvSpPr>
+        <p:spPr>
+          <a:xfrm>
+            <a:off x="4695825" y="3761846"/>
+            <a:ext cx="933450" cy="371475"/>
+          </a:xfrm>
+          <a:prstGeom prst="rect">
+            <a:avLst/>
+          </a:prstGeom>
+          <a:noFill/>
+        </p:spPr>
+        <p:txBody>
+          <a:bodyPr wrap="square" rtlCol="0">
+            <a:spAutoFit/>
+          </a:bodyPr>
+          <a:lstStyle/>
+          <a:p>
+            <a:r>
+              <a:rPr lang="en-US" altLang="zh-CN" dirty="0" smtClean="0"/>
+              <a:t>8</a:t>
+            </a:r>
+            <a:endParaRPr lang="zh-CN" altLang="en-US" dirty="0"/>
+          </a:p>
+        </p:txBody>
+      </p:sp>
+      <p:sp>
+        <p:nvSpPr>
+          <p:cNvPr id="23" name="矩形 22"/>
+          <p:cNvSpPr/>
+          <p:nvPr/>
+        </p:nvSpPr>
+        <p:spPr>
+          <a:xfrm>
+            <a:off x="4829175" y="4138436"/>
+            <a:ext cx="800100" cy="361244"/>
+          </a:xfrm>
+          <a:prstGeom prst="rect">
+            <a:avLst/>
+          </a:prstGeom>
+          <a:noFill/>
+          <a:ln>
+            <a:solidFill>
+              <a:schemeClr val="bg2">
+                <a:lumMod val="75000"/>
+              </a:schemeClr>
+            </a:solidFill>
+          </a:ln>
+        </p:spPr>
+        <p:style>
+          <a:lnRef idx="2">
+            <a:schemeClr val="accent1">
+              <a:shade val="50000"/>
+            </a:schemeClr>
+          </a:lnRef>
+          <a:fillRef idx="1">
+            <a:schemeClr val="accent1"/>
+          </a:fillRef>
+          <a:effectRef idx="0">
+            <a:schemeClr val="accent1"/>
+          </a:effectRef>
+          <a:fontRef idx="minor">
+            <a:schemeClr val="lt1"/>
+          </a:fontRef>
+        </p:style>
+        <p:txBody>
+          <a:bodyPr rtlCol="0" anchor="ctr"/>
+          <a:lstStyle/>
+          <a:p>
+            <a:pPr algn="ctr"/>
+            <a:r>
+              <a:rPr lang="en-US" altLang="zh-CN" dirty="0" smtClean="0">
+                <a:solidFill>
+                  <a:schemeClr val="tx1"/>
+                </a:solidFill>
+              </a:rPr>
+              <a:t>CPC</a:t>
+            </a:r>
+            <a:endParaRPr lang="zh-CN" altLang="en-US" dirty="0">
+              <a:solidFill>
+                <a:schemeClr val="tx1"/>
+              </a:solidFill>
+            </a:endParaRPr>
+          </a:p>
+        </p:txBody>
+      </p:sp>
+      <p:sp>
+        <p:nvSpPr>
+          <p:cNvPr id="24" name="文本框 23"/>
+          <p:cNvSpPr txBox="1"/>
+          <p:nvPr/>
+        </p:nvSpPr>
+        <p:spPr>
+          <a:xfrm>
+            <a:off x="5438775" y="3772077"/>
+            <a:ext cx="933450" cy="371475"/>
+          </a:xfrm>
+          <a:prstGeom prst="rect">
+            <a:avLst/>
+          </a:prstGeom>
+          <a:noFill/>
+        </p:spPr>
+        <p:txBody>
+          <a:bodyPr wrap="square" rtlCol="0">
+            <a:spAutoFit/>
+          </a:bodyPr>
+          <a:lstStyle/>
+          <a:p>
+            <a:r>
+              <a:rPr lang="en-US" altLang="zh-CN" dirty="0" smtClean="0"/>
+              <a:t>10</a:t>
+            </a:r>
+            <a:endParaRPr lang="zh-CN" altLang="en-US" dirty="0"/>
+          </a:p>
+        </p:txBody>
+      </p:sp>
+      <p:sp>
+        <p:nvSpPr>
+          <p:cNvPr id="25" name="文本框 24"/>
+          <p:cNvSpPr txBox="1"/>
+          <p:nvPr/>
+        </p:nvSpPr>
+        <p:spPr>
+          <a:xfrm>
+            <a:off x="5905500" y="3761845"/>
+            <a:ext cx="933450" cy="371475"/>
+          </a:xfrm>
+          <a:prstGeom prst="rect">
+            <a:avLst/>
+          </a:prstGeom>
+          <a:noFill/>
+        </p:spPr>
+        <p:txBody>
+          <a:bodyPr wrap="square" rtlCol="0">
+            <a:spAutoFit/>
+          </a:bodyPr>
+          <a:lstStyle/>
+          <a:p>
+            <a:r>
+              <a:rPr lang="en-US" altLang="zh-CN" dirty="0" smtClean="0"/>
+              <a:t>11</a:t>
+            </a:r>
+            <a:endParaRPr lang="zh-CN" altLang="en-US" dirty="0"/>
+          </a:p>
+        </p:txBody>
+      </p:sp>
+      <p:sp>
+        <p:nvSpPr>
+          <p:cNvPr id="26" name="矩形 25"/>
+          <p:cNvSpPr/>
+          <p:nvPr/>
+        </p:nvSpPr>
+        <p:spPr>
+          <a:xfrm>
+            <a:off x="5629275" y="4133320"/>
+            <a:ext cx="609600" cy="349250"/>
+          </a:xfrm>
+          <a:prstGeom prst="rect">
+            <a:avLst/>
+          </a:prstGeom>
+          <a:noFill/>
+          <a:ln>
+            <a:solidFill>
+              <a:schemeClr val="bg2">
+                <a:lumMod val="75000"/>
+              </a:schemeClr>
+            </a:solidFill>
+          </a:ln>
+        </p:spPr>
+        <p:style>
+          <a:lnRef idx="2">
+            <a:schemeClr val="accent1">
+              <a:shade val="50000"/>
+            </a:schemeClr>
+          </a:lnRef>
+          <a:fillRef idx="1">
+            <a:schemeClr val="accent1"/>
+          </a:fillRef>
+          <a:effectRef idx="0">
+            <a:schemeClr val="accent1"/>
+          </a:effectRef>
+          <a:fontRef idx="minor">
+            <a:schemeClr val="lt1"/>
+          </a:fontRef>
+        </p:style>
+        <p:txBody>
+          <a:bodyPr rtlCol="0" anchor="ctr"/>
+          <a:lstStyle/>
+          <a:p>
+            <a:pPr algn="ctr"/>
+            <a:r>
+              <a:rPr lang="en-US" altLang="zh-CN" dirty="0" smtClean="0">
+                <a:solidFill>
+                  <a:schemeClr val="tx1"/>
+                </a:solidFill>
+              </a:rPr>
+              <a:t>Tag</a:t>
+            </a:r>
+            <a:endParaRPr lang="zh-CN" altLang="en-US" dirty="0">
+              <a:solidFill>
+                <a:schemeClr val="tx1"/>
+              </a:solidFill>
+            </a:endParaRPr>
+          </a:p>
+        </p:txBody>
+      </p:sp>
+      <p:sp>
+        <p:nvSpPr>
+          <p:cNvPr id="27" name="矩形 26"/>
+          <p:cNvSpPr/>
+          <p:nvPr/>
+        </p:nvSpPr>
+        <p:spPr>
+          <a:xfrm>
+            <a:off x="6229350" y="4143550"/>
+            <a:ext cx="1276350" cy="356130"/>
+          </a:xfrm>
+          <a:prstGeom prst="rect">
+            <a:avLst/>
+          </a:prstGeom>
+          <a:noFill/>
+          <a:ln>
+            <a:solidFill>
+              <a:schemeClr val="bg2">
+                <a:lumMod val="75000"/>
+              </a:schemeClr>
+            </a:solidFill>
+          </a:ln>
+        </p:spPr>
+        <p:style>
+          <a:lnRef idx="2">
+            <a:schemeClr val="accent1">
+              <a:shade val="50000"/>
+            </a:schemeClr>
+          </a:lnRef>
+          <a:fillRef idx="1">
+            <a:schemeClr val="accent1"/>
+          </a:fillRef>
+          <a:effectRef idx="0">
+            <a:schemeClr val="accent1"/>
+          </a:effectRef>
+          <a:fontRef idx="minor">
+            <a:schemeClr val="lt1"/>
+          </a:fontRef>
+        </p:style>
+        <p:txBody>
+          <a:bodyPr rtlCol="0" anchor="ctr"/>
+          <a:lstStyle/>
+          <a:p>
+            <a:pPr algn="ctr"/>
+            <a:r>
+              <a:rPr lang="en-US" altLang="zh-CN" dirty="0" smtClean="0">
+                <a:solidFill>
+                  <a:schemeClr val="tx1"/>
+                </a:solidFill>
+              </a:rPr>
+              <a:t>Len</a:t>
+            </a:r>
+            <a:endParaRPr lang="zh-CN" altLang="en-US" dirty="0">
+              <a:solidFill>
+                <a:schemeClr val="tx1"/>
+              </a:solidFill>
+            </a:endParaRPr>
+          </a:p>
+        </p:txBody>
+      </p:sp>
+      <p:sp>
+        <p:nvSpPr>
+          <p:cNvPr id="28" name="矩形 27"/>
+          <p:cNvSpPr/>
+          <p:nvPr/>
+        </p:nvSpPr>
+        <p:spPr>
+          <a:xfrm>
+            <a:off x="7516629" y="4133318"/>
+            <a:ext cx="2061288" cy="366362"/>
+          </a:xfrm>
+          <a:prstGeom prst="rect">
+            <a:avLst/>
+          </a:prstGeom>
+          <a:noFill/>
+          <a:ln>
+            <a:solidFill>
+              <a:schemeClr val="bg2">
+                <a:lumMod val="75000"/>
+              </a:schemeClr>
+            </a:solidFill>
+          </a:ln>
+        </p:spPr>
+        <p:style>
+          <a:lnRef idx="2">
+            <a:schemeClr val="accent1">
+              <a:shade val="50000"/>
+            </a:schemeClr>
+          </a:lnRef>
+          <a:fillRef idx="1">
+            <a:schemeClr val="accent1"/>
+          </a:fillRef>
+          <a:effectRef idx="0">
+            <a:schemeClr val="accent1"/>
+          </a:effectRef>
+          <a:fontRef idx="minor">
+            <a:schemeClr val="lt1"/>
+          </a:fontRef>
+        </p:style>
+        <p:txBody>
+          <a:bodyPr rtlCol="0" anchor="ctr"/>
+          <a:lstStyle/>
+          <a:p>
+            <a:pPr algn="ctr"/>
+            <a:r>
+              <a:rPr lang="en-US" altLang="zh-CN" dirty="0" smtClean="0">
+                <a:solidFill>
+                  <a:schemeClr val="tx1"/>
+                </a:solidFill>
+              </a:rPr>
+              <a:t>info</a:t>
+            </a:r>
+            <a:endParaRPr lang="zh-CN" altLang="en-US" dirty="0">
+              <a:solidFill>
+                <a:schemeClr val="tx1"/>
+              </a:solidFill>
+            </a:endParaRPr>
+          </a:p>
+        </p:txBody>
+      </p:sp>
+      <p:sp>
+        <p:nvSpPr>
+          <p:cNvPr id="33" name="矩形 32"/>
+          <p:cNvSpPr/>
+          <p:nvPr/>
+        </p:nvSpPr>
+        <p:spPr>
+          <a:xfrm>
+            <a:off x="4656321" y="3034241"/>
+            <a:ext cx="2555508" cy="369332"/>
+          </a:xfrm>
+          <a:prstGeom prst="rect">
+            <a:avLst/>
+          </a:prstGeom>
+        </p:spPr>
+        <p:txBody>
+          <a:bodyPr wrap="none">
+            <a:spAutoFit/>
+          </a:bodyPr>
+          <a:lstStyle/>
+          <a:p>
+            <a:r>
+              <a:rPr lang="en-US" altLang="zh-CN" dirty="0"/>
+              <a:t>CONSTANT_UTF8_INFO</a:t>
+            </a:r>
+            <a:endParaRPr lang="zh-CN" altLang="en-US" dirty="0"/>
+          </a:p>
+        </p:txBody>
+      </p:sp>
+      <p:cxnSp>
+        <p:nvCxnSpPr>
+          <p:cNvPr id="35" name="直接箭头连接符 34"/>
+          <p:cNvCxnSpPr>
+            <a:stCxn id="33" idx="2"/>
+            <a:endCxn id="26" idx="0"/>
+          </p:cNvCxnSpPr>
+          <p:nvPr/>
+        </p:nvCxnSpPr>
+        <p:spPr>
+          <a:xfrm>
+            <a:off x="5934075" y="3403573"/>
+            <a:ext cx="0" cy="729747"/>
+          </a:xfrm>
+          <a:prstGeom prst="straightConnector1">
+            <a:avLst/>
+          </a:prstGeom>
+          <a:ln>
+            <a:tailEnd type="triangle"/>
+          </a:ln>
+        </p:spPr>
+        <p:style>
+          <a:lnRef idx="1">
+            <a:schemeClr val="accent1"/>
+          </a:lnRef>
+          <a:fillRef idx="0">
+            <a:schemeClr val="accent1"/>
+          </a:fillRef>
+          <a:effectRef idx="0">
+            <a:schemeClr val="accent1"/>
+          </a:effectRef>
+          <a:fontRef idx="minor">
+            <a:schemeClr val="tx1"/>
+          </a:fontRef>
+        </p:style>
+      </p:cxnSp>
+      <p:sp>
+        <p:nvSpPr>
+          <p:cNvPr id="38" name="文本框 37"/>
+          <p:cNvSpPr txBox="1"/>
+          <p:nvPr/>
+        </p:nvSpPr>
+        <p:spPr>
+          <a:xfrm>
+            <a:off x="7249929" y="3761845"/>
+            <a:ext cx="933450" cy="371475"/>
+          </a:xfrm>
+          <a:prstGeom prst="rect">
+            <a:avLst/>
+          </a:prstGeom>
+          <a:noFill/>
+        </p:spPr>
+        <p:txBody>
+          <a:bodyPr wrap="square" rtlCol="0">
+            <a:spAutoFit/>
+          </a:bodyPr>
+          <a:lstStyle/>
+          <a:p>
+            <a:r>
+              <a:rPr lang="en-US" altLang="zh-CN" dirty="0" smtClean="0"/>
+              <a:t>13</a:t>
+            </a:r>
+            <a:endParaRPr lang="zh-CN" altLang="en-US" dirty="0"/>
+          </a:p>
+        </p:txBody>
+      </p:sp>
+      <p:sp>
+        <p:nvSpPr>
+          <p:cNvPr id="39" name="左大括号 38"/>
+          <p:cNvSpPr/>
+          <p:nvPr/>
+        </p:nvSpPr>
+        <p:spPr>
+          <a:xfrm rot="5400000">
+            <a:off x="8282340" y="2837742"/>
+            <a:ext cx="518935" cy="2072217"/>
+          </a:xfrm>
+          <a:prstGeom prst="leftBrace">
+            <a:avLst>
+              <a:gd name="adj1" fmla="val 8333"/>
+              <a:gd name="adj2" fmla="val 51504"/>
+            </a:avLst>
+          </a:prstGeom>
+        </p:spPr>
+        <p:style>
+          <a:lnRef idx="1">
+            <a:schemeClr val="accent1"/>
+          </a:lnRef>
+          <a:fillRef idx="0">
+            <a:schemeClr val="accent1"/>
+          </a:fillRef>
+          <a:effectRef idx="0">
+            <a:schemeClr val="accent1"/>
+          </a:effectRef>
+          <a:fontRef idx="minor">
+            <a:schemeClr val="tx1"/>
+          </a:fontRef>
+        </p:style>
+        <p:txBody>
+          <a:bodyPr rtlCol="0" anchor="ctr"/>
+          <a:lstStyle/>
+          <a:p>
+            <a:pPr algn="ctr"/>
+            <a:endParaRPr lang="zh-CN" altLang="en-US"/>
+          </a:p>
+        </p:txBody>
+      </p:sp>
+      <p:sp>
+        <p:nvSpPr>
+          <p:cNvPr id="40" name="矩形 39"/>
+          <p:cNvSpPr/>
+          <p:nvPr/>
+        </p:nvSpPr>
+        <p:spPr>
+          <a:xfrm>
+            <a:off x="8273143" y="3189123"/>
+            <a:ext cx="537327" cy="369332"/>
+          </a:xfrm>
+          <a:prstGeom prst="rect">
+            <a:avLst/>
+          </a:prstGeom>
+        </p:spPr>
+        <p:txBody>
+          <a:bodyPr wrap="none">
+            <a:spAutoFit/>
+          </a:bodyPr>
+          <a:lstStyle/>
+          <a:p>
+            <a:r>
+              <a:rPr lang="en-US" altLang="zh-CN" dirty="0" smtClean="0"/>
+              <a:t>Len</a:t>
+            </a:r>
+            <a:endParaRPr lang="zh-CN" altLang="en-US" dirty="0"/>
+          </a:p>
+        </p:txBody>
+      </p:sp>
+      <p:sp>
+        <p:nvSpPr>
+          <p:cNvPr id="41" name="矩形 40"/>
+          <p:cNvSpPr/>
+          <p:nvPr/>
+        </p:nvSpPr>
+        <p:spPr>
+          <a:xfrm>
+            <a:off x="1490133" y="1320623"/>
+            <a:ext cx="1681692" cy="333021"/>
+          </a:xfrm>
+          <a:prstGeom prst="rect">
+            <a:avLst/>
+          </a:prstGeom>
+          <a:noFill/>
+          <a:ln>
+            <a:solidFill>
+              <a:schemeClr val="bg2">
+                <a:lumMod val="75000"/>
+              </a:schemeClr>
+            </a:solidFill>
+          </a:ln>
+        </p:spPr>
+        <p:style>
+          <a:lnRef idx="2">
+            <a:schemeClr val="accent1">
+              <a:shade val="50000"/>
+            </a:schemeClr>
+          </a:lnRef>
+          <a:fillRef idx="1">
+            <a:schemeClr val="accent1"/>
+          </a:fillRef>
+          <a:effectRef idx="0">
+            <a:schemeClr val="accent1"/>
+          </a:effectRef>
+          <a:fontRef idx="minor">
+            <a:schemeClr val="lt1"/>
+          </a:fontRef>
+        </p:style>
+        <p:txBody>
+          <a:bodyPr rtlCol="0" anchor="ctr"/>
+          <a:lstStyle/>
+          <a:p>
+            <a:pPr algn="ctr"/>
+            <a:r>
+              <a:rPr lang="zh-CN" altLang="en-US" dirty="0">
+                <a:solidFill>
+                  <a:schemeClr val="tx1"/>
+                </a:solidFill>
+              </a:rPr>
+              <a:t>魔数</a:t>
+            </a:r>
+          </a:p>
+        </p:txBody>
+      </p:sp>
+      <p:sp>
+        <p:nvSpPr>
+          <p:cNvPr id="42" name="矩形 41"/>
+          <p:cNvSpPr/>
+          <p:nvPr/>
+        </p:nvSpPr>
+        <p:spPr>
+          <a:xfrm>
+            <a:off x="3171825" y="1314625"/>
+            <a:ext cx="1657350" cy="345899"/>
+          </a:xfrm>
+          <a:prstGeom prst="rect">
+            <a:avLst/>
+          </a:prstGeom>
+          <a:noFill/>
+          <a:ln>
+            <a:solidFill>
+              <a:schemeClr val="bg2">
+                <a:lumMod val="75000"/>
+              </a:schemeClr>
+            </a:solidFill>
+          </a:ln>
+        </p:spPr>
+        <p:style>
+          <a:lnRef idx="2">
+            <a:schemeClr val="accent1">
+              <a:shade val="50000"/>
+            </a:schemeClr>
+          </a:lnRef>
+          <a:fillRef idx="1">
+            <a:schemeClr val="accent1"/>
+          </a:fillRef>
+          <a:effectRef idx="0">
+            <a:schemeClr val="accent1"/>
+          </a:effectRef>
+          <a:fontRef idx="minor">
+            <a:schemeClr val="lt1"/>
+          </a:fontRef>
+        </p:style>
+        <p:txBody>
+          <a:bodyPr rtlCol="0" anchor="ctr"/>
+          <a:lstStyle/>
+          <a:p>
+            <a:pPr algn="ctr"/>
+            <a:r>
+              <a:rPr lang="zh-CN" altLang="en-US" dirty="0" smtClean="0">
+                <a:solidFill>
+                  <a:schemeClr val="tx1"/>
+                </a:solidFill>
+              </a:rPr>
+              <a:t>版本号</a:t>
+            </a:r>
+            <a:endParaRPr lang="en-US" altLang="zh-CN" dirty="0" smtClean="0">
+              <a:solidFill>
+                <a:schemeClr val="tx1"/>
+              </a:solidFill>
+            </a:endParaRPr>
+          </a:p>
+        </p:txBody>
+      </p:sp>
+    </p:spTree>
+    <p:extLst>
+      <p:ext uri="{BB962C8B-B14F-4D97-AF65-F5344CB8AC3E}">
+        <p14:creationId xmlns:p14="http://schemas.microsoft.com/office/powerpoint/2010/main" val="1351675989"/>
       </p:ext>
     </p:extLst>
   </p:cSld>

--- a/doc/编译运行全过程.pptx
+++ b/doc/编译运行全过程.pptx
@@ -5,13 +5,12 @@
     <p:sldMasterId id="2147483648" r:id="rId1"/>
   </p:sldMasterIdLst>
   <p:notesMasterIdLst>
-    <p:notesMasterId r:id="rId6"/>
+    <p:notesMasterId r:id="rId5"/>
   </p:notesMasterIdLst>
   <p:sldIdLst>
-    <p:sldId id="256" r:id="rId2"/>
-    <p:sldId id="257" r:id="rId3"/>
-    <p:sldId id="258" r:id="rId4"/>
-    <p:sldId id="259" r:id="rId5"/>
+    <p:sldId id="257" r:id="rId2"/>
+    <p:sldId id="258" r:id="rId3"/>
+    <p:sldId id="259" r:id="rId4"/>
   </p:sldIdLst>
   <p:sldSz cx="12192000" cy="6858000"/>
   <p:notesSz cx="6858000" cy="9144000"/>
@@ -200,7 +199,7 @@
           <a:p>
             <a:fld id="{667C8C6A-47A9-4A58-BA05-EC427FD5CCC5}" type="datetimeFigureOut">
               <a:rPr lang="zh-CN" altLang="en-US" smtClean="0"/>
-              <a:t>2020/6/19</a:t>
+              <a:t>2020-6-20</a:t>
             </a:fld>
             <a:endParaRPr lang="zh-CN" altLang="en-US"/>
           </a:p>
@@ -599,7 +598,7 @@
           <a:p>
             <a:fld id="{BE742941-4F93-41DA-8CC9-B6E163CEC4AD}" type="datetimeFigureOut">
               <a:rPr lang="zh-CN" altLang="en-US" smtClean="0"/>
-              <a:t>2020/6/19</a:t>
+              <a:t>2020-6-20</a:t>
             </a:fld>
             <a:endParaRPr lang="zh-CN" altLang="en-US"/>
           </a:p>
@@ -769,7 +768,7 @@
           <a:p>
             <a:fld id="{BE742941-4F93-41DA-8CC9-B6E163CEC4AD}" type="datetimeFigureOut">
               <a:rPr lang="zh-CN" altLang="en-US" smtClean="0"/>
-              <a:t>2020/6/19</a:t>
+              <a:t>2020-6-20</a:t>
             </a:fld>
             <a:endParaRPr lang="zh-CN" altLang="en-US"/>
           </a:p>
@@ -949,7 +948,7 @@
           <a:p>
             <a:fld id="{BE742941-4F93-41DA-8CC9-B6E163CEC4AD}" type="datetimeFigureOut">
               <a:rPr lang="zh-CN" altLang="en-US" smtClean="0"/>
-              <a:t>2020/6/19</a:t>
+              <a:t>2020-6-20</a:t>
             </a:fld>
             <a:endParaRPr lang="zh-CN" altLang="en-US"/>
           </a:p>
@@ -1119,7 +1118,7 @@
           <a:p>
             <a:fld id="{BE742941-4F93-41DA-8CC9-B6E163CEC4AD}" type="datetimeFigureOut">
               <a:rPr lang="zh-CN" altLang="en-US" smtClean="0"/>
-              <a:t>2020/6/19</a:t>
+              <a:t>2020-6-20</a:t>
             </a:fld>
             <a:endParaRPr lang="zh-CN" altLang="en-US"/>
           </a:p>
@@ -1365,7 +1364,7 @@
           <a:p>
             <a:fld id="{BE742941-4F93-41DA-8CC9-B6E163CEC4AD}" type="datetimeFigureOut">
               <a:rPr lang="zh-CN" altLang="en-US" smtClean="0"/>
-              <a:t>2020/6/19</a:t>
+              <a:t>2020-6-20</a:t>
             </a:fld>
             <a:endParaRPr lang="zh-CN" altLang="en-US"/>
           </a:p>
@@ -1597,7 +1596,7 @@
           <a:p>
             <a:fld id="{BE742941-4F93-41DA-8CC9-B6E163CEC4AD}" type="datetimeFigureOut">
               <a:rPr lang="zh-CN" altLang="en-US" smtClean="0"/>
-              <a:t>2020/6/19</a:t>
+              <a:t>2020-6-20</a:t>
             </a:fld>
             <a:endParaRPr lang="zh-CN" altLang="en-US"/>
           </a:p>
@@ -1964,7 +1963,7 @@
           <a:p>
             <a:fld id="{BE742941-4F93-41DA-8CC9-B6E163CEC4AD}" type="datetimeFigureOut">
               <a:rPr lang="zh-CN" altLang="en-US" smtClean="0"/>
-              <a:t>2020/6/19</a:t>
+              <a:t>2020-6-20</a:t>
             </a:fld>
             <a:endParaRPr lang="zh-CN" altLang="en-US"/>
           </a:p>
@@ -2082,7 +2081,7 @@
           <a:p>
             <a:fld id="{BE742941-4F93-41DA-8CC9-B6E163CEC4AD}" type="datetimeFigureOut">
               <a:rPr lang="zh-CN" altLang="en-US" smtClean="0"/>
-              <a:t>2020/6/19</a:t>
+              <a:t>2020-6-20</a:t>
             </a:fld>
             <a:endParaRPr lang="zh-CN" altLang="en-US"/>
           </a:p>
@@ -2177,7 +2176,7 @@
           <a:p>
             <a:fld id="{BE742941-4F93-41DA-8CC9-B6E163CEC4AD}" type="datetimeFigureOut">
               <a:rPr lang="zh-CN" altLang="en-US" smtClean="0"/>
-              <a:t>2020/6/19</a:t>
+              <a:t>2020-6-20</a:t>
             </a:fld>
             <a:endParaRPr lang="zh-CN" altLang="en-US"/>
           </a:p>
@@ -2454,7 +2453,7 @@
           <a:p>
             <a:fld id="{BE742941-4F93-41DA-8CC9-B6E163CEC4AD}" type="datetimeFigureOut">
               <a:rPr lang="zh-CN" altLang="en-US" smtClean="0"/>
-              <a:t>2020/6/19</a:t>
+              <a:t>2020-6-20</a:t>
             </a:fld>
             <a:endParaRPr lang="zh-CN" altLang="en-US"/>
           </a:p>
@@ -2707,7 +2706,7 @@
           <a:p>
             <a:fld id="{BE742941-4F93-41DA-8CC9-B6E163CEC4AD}" type="datetimeFigureOut">
               <a:rPr lang="zh-CN" altLang="en-US" smtClean="0"/>
-              <a:t>2020/6/19</a:t>
+              <a:t>2020-6-20</a:t>
             </a:fld>
             <a:endParaRPr lang="zh-CN" altLang="en-US"/>
           </a:p>
@@ -2920,7 +2919,7 @@
           <a:p>
             <a:fld id="{BE742941-4F93-41DA-8CC9-B6E163CEC4AD}" type="datetimeFigureOut">
               <a:rPr lang="zh-CN" altLang="en-US" smtClean="0"/>
-              <a:t>2020/6/19</a:t>
+              <a:t>2020-6-20</a:t>
             </a:fld>
             <a:endParaRPr lang="zh-CN" altLang="en-US"/>
           </a:p>
@@ -3325,74 +3324,6 @@
           <a:chExt cx="0" cy="0"/>
         </a:xfrm>
       </p:grpSpPr>
-      <p:sp>
-        <p:nvSpPr>
-          <p:cNvPr id="2" name="标题 1"/>
-          <p:cNvSpPr>
-            <a:spLocks noGrp="1"/>
-          </p:cNvSpPr>
-          <p:nvPr>
-            <p:ph type="ctrTitle"/>
-          </p:nvPr>
-        </p:nvSpPr>
-        <p:spPr/>
-        <p:txBody>
-          <a:bodyPr/>
-          <a:lstStyle/>
-          <a:p>
-            <a:endParaRPr lang="zh-CN" altLang="en-US"/>
-          </a:p>
-        </p:txBody>
-      </p:sp>
-      <p:sp>
-        <p:nvSpPr>
-          <p:cNvPr id="3" name="副标题 2"/>
-          <p:cNvSpPr>
-            <a:spLocks noGrp="1"/>
-          </p:cNvSpPr>
-          <p:nvPr>
-            <p:ph type="subTitle" idx="1"/>
-          </p:nvPr>
-        </p:nvSpPr>
-        <p:spPr/>
-        <p:txBody>
-          <a:bodyPr/>
-          <a:lstStyle/>
-          <a:p>
-            <a:endParaRPr lang="zh-CN" altLang="en-US"/>
-          </a:p>
-        </p:txBody>
-      </p:sp>
-    </p:spTree>
-    <p:extLst>
-      <p:ext uri="{BB962C8B-B14F-4D97-AF65-F5344CB8AC3E}">
-        <p14:creationId xmlns:p14="http://schemas.microsoft.com/office/powerpoint/2010/main" val="953278124"/>
-      </p:ext>
-    </p:extLst>
-  </p:cSld>
-  <p:clrMapOvr>
-    <a:masterClrMapping/>
-  </p:clrMapOvr>
-</p:sld>
-</file>
-
-<file path=ppt/slides/slide2.xml><?xml version="1.0" encoding="utf-8"?>
-<p:sld xmlns:a="http://schemas.openxmlformats.org/drawingml/2006/main" xmlns:r="http://schemas.openxmlformats.org/officeDocument/2006/relationships" xmlns:p="http://schemas.openxmlformats.org/presentationml/2006/main">
-  <p:cSld>
-    <p:spTree>
-      <p:nvGrpSpPr>
-        <p:cNvPr id="1" name=""/>
-        <p:cNvGrpSpPr/>
-        <p:nvPr/>
-      </p:nvGrpSpPr>
-      <p:grpSpPr>
-        <a:xfrm>
-          <a:off x="0" y="0"/>
-          <a:ext cx="0" cy="0"/>
-          <a:chOff x="0" y="0"/>
-          <a:chExt cx="0" cy="0"/>
-        </a:xfrm>
-      </p:grpSpPr>
       <p:cxnSp>
         <p:nvCxnSpPr>
           <p:cNvPr id="9" name="直接箭头连接符 8"/>
@@ -3407,7 +3338,7 @@
           <a:prstGeom prst="straightConnector1">
             <a:avLst/>
           </a:prstGeom>
-          <a:ln>
+          <a:ln w="31750">
             <a:solidFill>
               <a:schemeClr val="tx1">
                 <a:lumMod val="75000"/>
@@ -3452,7 +3383,7 @@
               <a:lumOff val="60000"/>
             </a:schemeClr>
           </a:solidFill>
-          <a:ln>
+          <a:ln w="38100">
             <a:solidFill>
               <a:schemeClr val="bg2">
                 <a:lumMod val="75000"/>
@@ -3547,7 +3478,7 @@
                 <a:lumMod val="75000"/>
               </a:schemeClr>
             </a:solidFill>
-            <a:ln>
+            <a:ln w="38100">
               <a:solidFill>
                 <a:schemeClr val="bg2">
                   <a:lumMod val="75000"/>
@@ -3640,7 +3571,7 @@
               <a:solidFill>
                 <a:srgbClr val="BFBFBF"/>
               </a:solidFill>
-              <a:ln>
+              <a:ln w="38100">
                 <a:solidFill>
                   <a:schemeClr val="bg2">
                     <a:lumMod val="75000"/>
@@ -3670,7 +3601,7 @@
               <a:p>
                 <a:pPr algn="ctr"/>
                 <a:r>
-                  <a:rPr lang="en-US" altLang="zh-CN" dirty="0" err="1" smtClean="0">
+                  <a:rPr lang="en-US" altLang="zh-CN" dirty="0" smtClean="0">
                     <a:solidFill>
                       <a:schemeClr val="bg2">
                         <a:lumMod val="25000"/>
@@ -3706,7 +3637,7 @@
               <a:solidFill>
                 <a:srgbClr val="BFBFBF"/>
               </a:solidFill>
-              <a:ln>
+              <a:ln w="38100">
                 <a:solidFill>
                   <a:schemeClr val="bg2">
                     <a:lumMod val="75000"/>
@@ -3736,7 +3667,7 @@
               <a:p>
                 <a:pPr algn="ctr"/>
                 <a:r>
-                  <a:rPr lang="en-US" altLang="zh-CN" dirty="0" err="1" smtClean="0">
+                  <a:rPr lang="en-US" altLang="zh-CN" dirty="0" smtClean="0">
                     <a:solidFill>
                       <a:schemeClr val="bg2">
                         <a:lumMod val="25000"/>
@@ -3776,7 +3707,7 @@
               <a:lumMod val="75000"/>
             </a:schemeClr>
           </a:solidFill>
-          <a:ln>
+          <a:ln w="38100">
             <a:solidFill>
               <a:schemeClr val="bg2">
                 <a:lumMod val="75000"/>
@@ -3813,7 +3744,7 @@
               </a:spcAft>
             </a:pPr>
             <a:r>
-              <a:rPr lang="en-US" altLang="zh-CN" dirty="0" err="1" smtClean="0">
+              <a:rPr lang="en-US" altLang="zh-CN" dirty="0" smtClean="0">
                 <a:solidFill>
                   <a:schemeClr val="bg2">
                     <a:lumMod val="25000"/>
@@ -3858,7 +3789,7 @@
               <a:lumOff val="60000"/>
             </a:schemeClr>
           </a:solidFill>
-          <a:ln>
+          <a:ln w="38100">
             <a:solidFill>
               <a:schemeClr val="bg2">
                 <a:lumMod val="75000"/>
@@ -3888,7 +3819,7 @@
           <a:p>
             <a:pPr algn="ctr"/>
             <a:r>
-              <a:rPr lang="en-US" altLang="zh-CN" dirty="0" err="1" smtClean="0">
+              <a:rPr lang="en-US" altLang="zh-CN" dirty="0" smtClean="0">
                 <a:solidFill>
                   <a:schemeClr val="bg2">
                     <a:lumMod val="25000"/>
@@ -3924,7 +3855,7 @@
           <a:prstGeom prst="straightConnector1">
             <a:avLst/>
           </a:prstGeom>
-          <a:ln>
+          <a:ln w="31750">
             <a:solidFill>
               <a:schemeClr val="tx1">
                 <a:lumMod val="75000"/>
@@ -3966,7 +3897,7 @@
           <a:prstGeom prst="straightConnector1">
             <a:avLst/>
           </a:prstGeom>
-          <a:ln>
+          <a:ln w="31750">
             <a:solidFill>
               <a:schemeClr val="tx1">
                 <a:lumMod val="75000"/>
@@ -4011,7 +3942,7 @@
               <a:lumOff val="60000"/>
             </a:schemeClr>
           </a:solidFill>
-          <a:ln>
+          <a:ln w="38100">
             <a:solidFill>
               <a:schemeClr val="bg2">
                 <a:lumMod val="75000"/>
@@ -4093,7 +4024,7 @@
               <a:lumOff val="60000"/>
             </a:schemeClr>
           </a:solidFill>
-          <a:ln>
+          <a:ln w="38100">
             <a:solidFill>
               <a:schemeClr val="bg2">
                 <a:lumMod val="75000"/>
@@ -4175,7 +4106,7 @@
               <a:lumOff val="60000"/>
             </a:schemeClr>
           </a:solidFill>
-          <a:ln>
+          <a:ln w="38100">
             <a:solidFill>
               <a:schemeClr val="bg2">
                 <a:lumMod val="75000"/>
@@ -4251,7 +4182,7 @@
           <a:prstGeom prst="straightConnector1">
             <a:avLst/>
           </a:prstGeom>
-          <a:ln>
+          <a:ln w="31750">
             <a:solidFill>
               <a:schemeClr val="tx1">
                 <a:lumMod val="75000"/>
@@ -4292,7 +4223,7 @@
           <a:prstGeom prst="straightConnector1">
             <a:avLst/>
           </a:prstGeom>
-          <a:ln>
+          <a:ln w="31750">
             <a:solidFill>
               <a:schemeClr val="tx1">
                 <a:lumMod val="75000"/>
@@ -4333,7 +4264,7 @@
           <a:prstGeom prst="straightConnector1">
             <a:avLst/>
           </a:prstGeom>
-          <a:ln>
+          <a:ln w="31750">
             <a:solidFill>
               <a:schemeClr val="tx1">
                 <a:lumMod val="75000"/>
@@ -4372,7 +4303,7 @@
           <a:prstGeom prst="straightConnector1">
             <a:avLst/>
           </a:prstGeom>
-          <a:ln>
+          <a:ln w="31750">
             <a:solidFill>
               <a:schemeClr val="tx1">
                 <a:lumMod val="75000"/>
@@ -4413,7 +4344,7 @@
           <a:prstGeom prst="straightConnector1">
             <a:avLst/>
           </a:prstGeom>
-          <a:ln>
+          <a:ln w="31750">
             <a:solidFill>
               <a:schemeClr val="tx1">
                 <a:lumMod val="75000"/>
@@ -4451,7 +4382,7 @@
 </p:sld>
 </file>
 
-<file path=ppt/slides/slide3.xml><?xml version="1.0" encoding="utf-8"?>
+<file path=ppt/slides/slide2.xml><?xml version="1.0" encoding="utf-8"?>
 <p:sld xmlns:a="http://schemas.openxmlformats.org/drawingml/2006/main" xmlns:r="http://schemas.openxmlformats.org/officeDocument/2006/relationships" xmlns:p="http://schemas.openxmlformats.org/presentationml/2006/main">
   <p:cSld>
     <p:spTree>
@@ -4518,7 +4449,7 @@
           <a:p>
             <a:pPr algn="ctr"/>
             <a:r>
-              <a:rPr lang="en-US" altLang="zh-CN" dirty="0" err="1" smtClean="0">
+              <a:rPr lang="en-US" altLang="zh-CN" dirty="0" smtClean="0">
                 <a:solidFill>
                   <a:schemeClr val="bg2">
                     <a:lumMod val="25000"/>
@@ -6027,7 +5958,7 @@
 </p:sld>
 </file>
 
-<file path=ppt/slides/slide4.xml><?xml version="1.0" encoding="utf-8"?>
+<file path=ppt/slides/slide3.xml><?xml version="1.0" encoding="utf-8"?>
 <p:sld xmlns:a="http://schemas.openxmlformats.org/drawingml/2006/main" xmlns:r="http://schemas.openxmlformats.org/officeDocument/2006/relationships" xmlns:p="http://schemas.openxmlformats.org/presentationml/2006/main">
   <p:cSld>
     <p:spTree>

--- a/doc/编译运行全过程.pptx
+++ b/doc/编译运行全过程.pptx
@@ -199,7 +199,7 @@
           <a:p>
             <a:fld id="{667C8C6A-47A9-4A58-BA05-EC427FD5CCC5}" type="datetimeFigureOut">
               <a:rPr lang="zh-CN" altLang="en-US" smtClean="0"/>
-              <a:t>2020-6-20</a:t>
+              <a:t>2020/7/2</a:t>
             </a:fld>
             <a:endParaRPr lang="zh-CN" altLang="en-US"/>
           </a:p>
@@ -598,7 +598,7 @@
           <a:p>
             <a:fld id="{BE742941-4F93-41DA-8CC9-B6E163CEC4AD}" type="datetimeFigureOut">
               <a:rPr lang="zh-CN" altLang="en-US" smtClean="0"/>
-              <a:t>2020-6-20</a:t>
+              <a:t>2020/7/2</a:t>
             </a:fld>
             <a:endParaRPr lang="zh-CN" altLang="en-US"/>
           </a:p>
@@ -768,7 +768,7 @@
           <a:p>
             <a:fld id="{BE742941-4F93-41DA-8CC9-B6E163CEC4AD}" type="datetimeFigureOut">
               <a:rPr lang="zh-CN" altLang="en-US" smtClean="0"/>
-              <a:t>2020-6-20</a:t>
+              <a:t>2020/7/2</a:t>
             </a:fld>
             <a:endParaRPr lang="zh-CN" altLang="en-US"/>
           </a:p>
@@ -948,7 +948,7 @@
           <a:p>
             <a:fld id="{BE742941-4F93-41DA-8CC9-B6E163CEC4AD}" type="datetimeFigureOut">
               <a:rPr lang="zh-CN" altLang="en-US" smtClean="0"/>
-              <a:t>2020-6-20</a:t>
+              <a:t>2020/7/2</a:t>
             </a:fld>
             <a:endParaRPr lang="zh-CN" altLang="en-US"/>
           </a:p>
@@ -1118,7 +1118,7 @@
           <a:p>
             <a:fld id="{BE742941-4F93-41DA-8CC9-B6E163CEC4AD}" type="datetimeFigureOut">
               <a:rPr lang="zh-CN" altLang="en-US" smtClean="0"/>
-              <a:t>2020-6-20</a:t>
+              <a:t>2020/7/2</a:t>
             </a:fld>
             <a:endParaRPr lang="zh-CN" altLang="en-US"/>
           </a:p>
@@ -1364,7 +1364,7 @@
           <a:p>
             <a:fld id="{BE742941-4F93-41DA-8CC9-B6E163CEC4AD}" type="datetimeFigureOut">
               <a:rPr lang="zh-CN" altLang="en-US" smtClean="0"/>
-              <a:t>2020-6-20</a:t>
+              <a:t>2020/7/2</a:t>
             </a:fld>
             <a:endParaRPr lang="zh-CN" altLang="en-US"/>
           </a:p>
@@ -1596,7 +1596,7 @@
           <a:p>
             <a:fld id="{BE742941-4F93-41DA-8CC9-B6E163CEC4AD}" type="datetimeFigureOut">
               <a:rPr lang="zh-CN" altLang="en-US" smtClean="0"/>
-              <a:t>2020-6-20</a:t>
+              <a:t>2020/7/2</a:t>
             </a:fld>
             <a:endParaRPr lang="zh-CN" altLang="en-US"/>
           </a:p>
@@ -1963,7 +1963,7 @@
           <a:p>
             <a:fld id="{BE742941-4F93-41DA-8CC9-B6E163CEC4AD}" type="datetimeFigureOut">
               <a:rPr lang="zh-CN" altLang="en-US" smtClean="0"/>
-              <a:t>2020-6-20</a:t>
+              <a:t>2020/7/2</a:t>
             </a:fld>
             <a:endParaRPr lang="zh-CN" altLang="en-US"/>
           </a:p>
@@ -2081,7 +2081,7 @@
           <a:p>
             <a:fld id="{BE742941-4F93-41DA-8CC9-B6E163CEC4AD}" type="datetimeFigureOut">
               <a:rPr lang="zh-CN" altLang="en-US" smtClean="0"/>
-              <a:t>2020-6-20</a:t>
+              <a:t>2020/7/2</a:t>
             </a:fld>
             <a:endParaRPr lang="zh-CN" altLang="en-US"/>
           </a:p>
@@ -2176,7 +2176,7 @@
           <a:p>
             <a:fld id="{BE742941-4F93-41DA-8CC9-B6E163CEC4AD}" type="datetimeFigureOut">
               <a:rPr lang="zh-CN" altLang="en-US" smtClean="0"/>
-              <a:t>2020-6-20</a:t>
+              <a:t>2020/7/2</a:t>
             </a:fld>
             <a:endParaRPr lang="zh-CN" altLang="en-US"/>
           </a:p>
@@ -2453,7 +2453,7 @@
           <a:p>
             <a:fld id="{BE742941-4F93-41DA-8CC9-B6E163CEC4AD}" type="datetimeFigureOut">
               <a:rPr lang="zh-CN" altLang="en-US" smtClean="0"/>
-              <a:t>2020-6-20</a:t>
+              <a:t>2020/7/2</a:t>
             </a:fld>
             <a:endParaRPr lang="zh-CN" altLang="en-US"/>
           </a:p>
@@ -2706,7 +2706,7 @@
           <a:p>
             <a:fld id="{BE742941-4F93-41DA-8CC9-B6E163CEC4AD}" type="datetimeFigureOut">
               <a:rPr lang="zh-CN" altLang="en-US" smtClean="0"/>
-              <a:t>2020-6-20</a:t>
+              <a:t>2020/7/2</a:t>
             </a:fld>
             <a:endParaRPr lang="zh-CN" altLang="en-US"/>
           </a:p>
@@ -2919,7 +2919,7 @@
           <a:p>
             <a:fld id="{BE742941-4F93-41DA-8CC9-B6E163CEC4AD}" type="datetimeFigureOut">
               <a:rPr lang="zh-CN" altLang="en-US" smtClean="0"/>
-              <a:t>2020-6-20</a:t>
+              <a:t>2020/7/2</a:t>
             </a:fld>
             <a:endParaRPr lang="zh-CN" altLang="en-US"/>
           </a:p>
